--- a/doc/PraesentationKopie.pptx
+++ b/doc/PraesentationKopie.pptx
@@ -6138,7 +6138,7 @@
             </a:pPr>
             <a:r>
               <a:rPr lang="de-DE" dirty="0"/>
-              <a:t>Um unsere Implementierung zu testen, haben wir auf das JavaScript Framework Mocha gesetzt</a:t>
+              <a:t>Zum Testen haben wir das JavaScript Framework Mocha verwendet</a:t>
             </a:r>
           </a:p>
           <a:p>
@@ -6215,9 +6215,10 @@
               <a:buChar char="•"/>
             </a:pPr>
             <a:r>
-              <a:rPr lang="de-DE" dirty="0"/>
-              <a:t>Dataset:</a:t>
-            </a:r>
+              <a:rPr lang="de-DE"/>
+              <a:t>Dataset Klasse:</a:t>
+            </a:r>
+            <a:endParaRPr lang="de-DE" dirty="0"/>
           </a:p>
           <a:p>
             <a:pPr marL="1085850" lvl="2" indent="-171450">
@@ -6268,7 +6269,7 @@
             </a:r>
             <a:r>
               <a:rPr lang="de-DE" dirty="0"/>
-              <a:t>:</a:t>
+              <a:t> Klasse:</a:t>
             </a:r>
           </a:p>
           <a:p>
@@ -6288,25 +6289,8 @@
             </a:pPr>
             <a:r>
               <a:rPr lang="de-DE" dirty="0"/>
-              <a:t>Mit gültigen und ungültigen Parametern </a:t>
-            </a:r>
-          </a:p>
-          <a:p>
-            <a:pPr marL="628650" lvl="1" indent="-171450">
-              <a:buFont typeface="Arial" panose="020B0604020202020204" pitchFamily="34" charset="0"/>
-              <a:buChar char="•"/>
-            </a:pPr>
-            <a:r>
-              <a:rPr lang="de-DE" dirty="0"/>
-              <a:t>Family</a:t>
-            </a:r>
-          </a:p>
-          <a:p>
-            <a:pPr marL="1085850" lvl="2" indent="-171450">
-              <a:buFont typeface="Arial" panose="020B0604020202020204" pitchFamily="34" charset="0"/>
-              <a:buChar char="•"/>
-            </a:pPr>
-            <a:endParaRPr lang="de-DE" dirty="0"/>
+              <a:t>Mit gültigen und ungültigen Parametern</a:t>
+            </a:r>
           </a:p>
           <a:p>
             <a:pPr marL="1085850" lvl="2" indent="-171450">
@@ -19048,16 +19032,6 @@
               <a:rPr lang="de-DE" dirty="0"/>
               <a:t> Klasse</a:t>
             </a:r>
-          </a:p>
-          <a:p>
-            <a:pPr lvl="1"/>
-            <a:r>
-              <a:rPr lang="de-DE" dirty="0"/>
-              <a:t>Family Klasse</a:t>
-            </a:r>
-          </a:p>
-          <a:p>
-            <a:endParaRPr lang="de-DE" dirty="0"/>
           </a:p>
         </p:txBody>
       </p:sp>
